--- a/ECMQV.pptx
+++ b/ECMQV.pptx
@@ -48,20 +48,20 @@
   <p:notesSz cx="6858000" cy="9144000"/>
   <p:embeddedFontLst>
     <p:embeddedFont>
-      <p:font typeface="Nunito" panose="020B0604020202020204" charset="0"/>
+      <p:font typeface="Maven Pro" panose="020B0604020202020204" charset="0"/>
       <p:regular r:id="rId38"/>
       <p:bold r:id="rId39"/>
-      <p:italic r:id="rId40"/>
-      <p:boldItalic r:id="rId41"/>
-    </p:embeddedFont>
-    <p:embeddedFont>
-      <p:font typeface="Maven Pro" panose="020B0604020202020204" charset="0"/>
-      <p:regular r:id="rId42"/>
-      <p:bold r:id="rId43"/>
     </p:embeddedFont>
     <p:embeddedFont>
       <p:font typeface="Cambria Math" panose="02040503050406030204" pitchFamily="18" charset="0"/>
-      <p:regular r:id="rId44"/>
+      <p:regular r:id="rId40"/>
+    </p:embeddedFont>
+    <p:embeddedFont>
+      <p:font typeface="Nunito" panose="020B0604020202020204" charset="0"/>
+      <p:regular r:id="rId41"/>
+      <p:bold r:id="rId42"/>
+      <p:italic r:id="rId43"/>
+      <p:boldItalic r:id="rId44"/>
     </p:embeddedFont>
   </p:embeddedFontLst>
   <p:defaultTextStyle>
@@ -13403,6 +13403,18 @@
   <p:clrMapOvr>
     <a:masterClrMapping/>
   </p:clrMapOvr>
+  <mc:AlternateContent xmlns:mc="http://schemas.openxmlformats.org/markup-compatibility/2006">
+    <mc:Choice xmlns:p14="http://schemas.microsoft.com/office/powerpoint/2010/main" Requires="p14">
+      <p:transition spd="slow" p14:dur="1600">
+        <p14:conveyor dir="l"/>
+      </p:transition>
+    </mc:Choice>
+    <mc:Fallback>
+      <p:transition spd="slow">
+        <p:fade/>
+      </p:transition>
+    </mc:Fallback>
+  </mc:AlternateContent>
   <p:timing>
     <p:tnLst>
       <p:par>
@@ -13745,11 +13757,7 @@
             </a:r>
             <a:r>
               <a:rPr lang="it-IT" b="1" dirty="0" smtClean="0"/>
-              <a:t> </a:t>
-            </a:r>
-            <a:r>
-              <a:rPr lang="it-IT" b="1" dirty="0" smtClean="0"/>
-              <a:t>time </a:t>
+              <a:t> time </a:t>
             </a:r>
             <a:r>
               <a:rPr lang="it-IT" dirty="0" smtClean="0"/>
@@ -13934,6 +13942,18 @@
   <p:clrMapOvr>
     <a:masterClrMapping/>
   </p:clrMapOvr>
+  <mc:AlternateContent xmlns:mc="http://schemas.openxmlformats.org/markup-compatibility/2006">
+    <mc:Choice xmlns:p14="http://schemas.microsoft.com/office/powerpoint/2010/main" Requires="p14">
+      <p:transition spd="slow" p14:dur="1600">
+        <p14:conveyor dir="l"/>
+      </p:transition>
+    </mc:Choice>
+    <mc:Fallback>
+      <p:transition spd="slow">
+        <p:fade/>
+      </p:transition>
+    </mc:Fallback>
+  </mc:AlternateContent>
   <p:timing>
     <p:tnLst>
       <p:par>
@@ -14150,6 +14170,18 @@
   <p:clrMapOvr>
     <a:masterClrMapping/>
   </p:clrMapOvr>
+  <mc:AlternateContent xmlns:mc="http://schemas.openxmlformats.org/markup-compatibility/2006">
+    <mc:Choice xmlns:p14="http://schemas.microsoft.com/office/powerpoint/2010/main" Requires="p14">
+      <p:transition spd="slow" p14:dur="1600">
+        <p14:conveyor dir="l"/>
+      </p:transition>
+    </mc:Choice>
+    <mc:Fallback>
+      <p:transition spd="slow">
+        <p:fade/>
+      </p:transition>
+    </mc:Fallback>
+  </mc:AlternateContent>
   <p:timing>
     <p:tnLst>
       <p:par>
@@ -14204,8 +14236,8 @@
           </a:p>
         </p:txBody>
       </p:sp>
-      <mc:AlternateContent xmlns:mc="http://schemas.openxmlformats.org/markup-compatibility/2006">
-        <mc:Choice xmlns:a14="http://schemas.microsoft.com/office/drawing/2010/main" Requires="a14">
+      <mc:AlternateContent xmlns:mc="http://schemas.openxmlformats.org/markup-compatibility/2006" xmlns:a14="http://schemas.microsoft.com/office/drawing/2010/main">
+        <mc:Choice Requires="a14">
           <p:sp>
             <p:nvSpPr>
               <p:cNvPr id="3" name="Segnaposto testo 2"/>
@@ -15314,7 +15346,6 @@
                   <a:rPr lang="it-IT" dirty="0" smtClean="0"/>
                   <a:t>.</a:t>
                 </a:r>
-                <a:endParaRPr lang="it-IT" dirty="0" smtClean="0"/>
               </a:p>
               <a:p>
                 <a:pPr marL="146050" indent="0">
@@ -15370,7 +15401,7 @@
             </p:txBody>
           </p:sp>
         </mc:Choice>
-        <mc:Fallback>
+        <mc:Fallback xmlns="">
           <p:sp>
             <p:nvSpPr>
               <p:cNvPr id="3" name="Segnaposto testo 2"/>
@@ -15418,6 +15449,18 @@
   <p:clrMapOvr>
     <a:masterClrMapping/>
   </p:clrMapOvr>
+  <mc:AlternateContent xmlns:mc="http://schemas.openxmlformats.org/markup-compatibility/2006">
+    <mc:Choice xmlns:p14="http://schemas.microsoft.com/office/powerpoint/2010/main" Requires="p14">
+      <p:transition spd="slow" p14:dur="1600">
+        <p14:conveyor dir="l"/>
+      </p:transition>
+    </mc:Choice>
+    <mc:Fallback>
+      <p:transition spd="slow">
+        <p:fade/>
+      </p:transition>
+    </mc:Fallback>
+  </mc:AlternateContent>
   <p:timing>
     <p:tnLst>
       <p:par>
@@ -16561,18 +16604,22 @@
                 </a:r>
                 <a:r>
                   <a:rPr lang="it-IT" sz="1400" dirty="0" smtClean="0"/>
-                  <a:t>, new </a:t>
-                </a:r>
-                <a:r>
-                  <a:rPr lang="it-IT" sz="1400" dirty="0" err="1" smtClean="0"/>
+                  <a:t>, </a:t>
+                </a:r>
+                <a:r>
+                  <a:rPr lang="it-IT" sz="1400" b="1" dirty="0" smtClean="0"/>
+                  <a:t>new </a:t>
+                </a:r>
+                <a:r>
+                  <a:rPr lang="it-IT" sz="1400" b="1" dirty="0" err="1" smtClean="0"/>
                   <a:t>key</a:t>
                 </a:r>
                 <a:r>
-                  <a:rPr lang="it-IT" sz="1400" dirty="0" smtClean="0"/>
+                  <a:rPr lang="it-IT" sz="1400" b="1" dirty="0" smtClean="0"/>
                   <a:t> </a:t>
                 </a:r>
                 <a:r>
-                  <a:rPr lang="it-IT" sz="1400" dirty="0" err="1" smtClean="0"/>
+                  <a:rPr lang="it-IT" sz="1400" b="1" dirty="0" err="1" smtClean="0"/>
                   <a:t>pairs</a:t>
                 </a:r>
                 <a:r>
@@ -16662,6 +16709,18 @@
   <p:clrMapOvr>
     <a:masterClrMapping/>
   </p:clrMapOvr>
+  <mc:AlternateContent xmlns:mc="http://schemas.openxmlformats.org/markup-compatibility/2006">
+    <mc:Choice xmlns:p14="http://schemas.microsoft.com/office/powerpoint/2010/main" Requires="p14">
+      <p:transition spd="slow" p14:dur="1600">
+        <p14:conveyor dir="l"/>
+      </p:transition>
+    </mc:Choice>
+    <mc:Fallback>
+      <p:transition spd="slow">
+        <p:fade/>
+      </p:transition>
+    </mc:Fallback>
+  </mc:AlternateContent>
   <p:timing>
     <p:tnLst>
       <p:par>
@@ -16724,8 +16783,8 @@
           </a:p>
         </p:txBody>
       </p:sp>
-      <mc:AlternateContent xmlns:mc="http://schemas.openxmlformats.org/markup-compatibility/2006">
-        <mc:Choice xmlns:a14="http://schemas.microsoft.com/office/drawing/2010/main" Requires="a14">
+      <mc:AlternateContent xmlns:mc="http://schemas.openxmlformats.org/markup-compatibility/2006" xmlns:a14="http://schemas.microsoft.com/office/drawing/2010/main">
+        <mc:Choice Requires="a14">
           <p:sp>
             <p:nvSpPr>
               <p:cNvPr id="3" name="Segnaposto testo 2"/>
@@ -18732,7 +18791,7 @@
             </p:txBody>
           </p:sp>
         </mc:Choice>
-        <mc:Fallback>
+        <mc:Fallback xmlns="">
           <p:sp>
             <p:nvSpPr>
               <p:cNvPr id="3" name="Segnaposto testo 2"/>
@@ -18780,6 +18839,18 @@
   <p:clrMapOvr>
     <a:masterClrMapping/>
   </p:clrMapOvr>
+  <mc:AlternateContent xmlns:mc="http://schemas.openxmlformats.org/markup-compatibility/2006">
+    <mc:Choice xmlns:p14="http://schemas.microsoft.com/office/powerpoint/2010/main" Requires="p14">
+      <p:transition spd="slow" p14:dur="1600">
+        <p14:conveyor dir="l"/>
+      </p:transition>
+    </mc:Choice>
+    <mc:Fallback>
+      <p:transition spd="slow">
+        <p:fade/>
+      </p:transition>
+    </mc:Fallback>
+  </mc:AlternateContent>
   <p:timing>
     <p:tnLst>
       <p:par>
@@ -18988,7 +19059,7 @@
             </a:r>
             <a:r>
               <a:rPr lang="it-IT" dirty="0" err="1" smtClean="0"/>
-              <a:t>retriving</a:t>
+              <a:t>retrieving</a:t>
             </a:r>
             <a:r>
               <a:rPr lang="it-IT" dirty="0" smtClean="0"/>
@@ -19088,8 +19159,12 @@
               <a:buChar char="Ø"/>
             </a:pPr>
             <a:r>
+              <a:rPr lang="it-IT" dirty="0" err="1" smtClean="0"/>
+              <a:t>Message’s</a:t>
+            </a:r>
+            <a:r>
               <a:rPr lang="it-IT" dirty="0" smtClean="0"/>
-              <a:t>Message </a:t>
+              <a:t> </a:t>
             </a:r>
             <a:r>
               <a:rPr lang="it-IT" dirty="0" err="1" smtClean="0"/>
@@ -19149,7 +19224,7 @@
             </a:r>
             <a:r>
               <a:rPr lang="it-IT" dirty="0" err="1" smtClean="0"/>
-              <a:t>perfom</a:t>
+              <a:t>perform</a:t>
             </a:r>
             <a:r>
               <a:rPr lang="it-IT" dirty="0" smtClean="0"/>
@@ -19193,6 +19268,18 @@
   <p:clrMapOvr>
     <a:masterClrMapping/>
   </p:clrMapOvr>
+  <mc:AlternateContent xmlns:mc="http://schemas.openxmlformats.org/markup-compatibility/2006">
+    <mc:Choice xmlns:p14="http://schemas.microsoft.com/office/powerpoint/2010/main" Requires="p14">
+      <p:transition spd="slow" p14:dur="1600">
+        <p14:conveyor dir="l"/>
+      </p:transition>
+    </mc:Choice>
+    <mc:Fallback>
+      <p:transition spd="slow">
+        <p:fade/>
+      </p:transition>
+    </mc:Fallback>
+  </mc:AlternateContent>
   <p:timing>
     <p:tnLst>
       <p:par>
@@ -19599,7 +19686,7 @@
             </a:r>
             <a:r>
               <a:rPr lang="it-IT" b="1" dirty="0" err="1" smtClean="0"/>
-              <a:t>Simmetric</a:t>
+              <a:t>Symmetric</a:t>
             </a:r>
             <a:r>
               <a:rPr lang="it-IT" b="1" dirty="0" smtClean="0"/>
@@ -19784,6 +19871,18 @@
   <p:clrMapOvr>
     <a:masterClrMapping/>
   </p:clrMapOvr>
+  <mc:AlternateContent xmlns:mc="http://schemas.openxmlformats.org/markup-compatibility/2006">
+    <mc:Choice xmlns:p14="http://schemas.microsoft.com/office/powerpoint/2010/main" Requires="p14">
+      <p:transition spd="slow" p14:dur="1600">
+        <p14:conveyor dir="l"/>
+      </p:transition>
+    </mc:Choice>
+    <mc:Fallback>
+      <p:transition spd="slow">
+        <p:fade/>
+      </p:transition>
+    </mc:Fallback>
+  </mc:AlternateContent>
   <p:timing>
     <p:tnLst>
       <p:par>
@@ -20033,7 +20132,6 @@
               <a:rPr lang="it-IT" dirty="0" smtClean="0"/>
               <a:t>; </a:t>
             </a:r>
-            <a:endParaRPr lang="it-IT" dirty="0" smtClean="0"/>
           </a:p>
           <a:p>
             <a:pPr lvl="1">
@@ -20053,11 +20151,7 @@
             </a:r>
             <a:r>
               <a:rPr lang="it-IT" dirty="0" smtClean="0"/>
-              <a:t> </a:t>
-            </a:r>
-            <a:r>
-              <a:rPr lang="it-IT" dirty="0" smtClean="0"/>
-              <a:t>to </a:t>
+              <a:t> to </a:t>
             </a:r>
             <a:r>
               <a:rPr lang="it-IT" dirty="0" err="1" smtClean="0"/>
@@ -20151,6 +20245,18 @@
   <p:clrMapOvr>
     <a:masterClrMapping/>
   </p:clrMapOvr>
+  <mc:AlternateContent xmlns:mc="http://schemas.openxmlformats.org/markup-compatibility/2006">
+    <mc:Choice xmlns:p14="http://schemas.microsoft.com/office/powerpoint/2010/main" Requires="p14">
+      <p:transition spd="slow" p14:dur="1600">
+        <p14:conveyor dir="l"/>
+      </p:transition>
+    </mc:Choice>
+    <mc:Fallback>
+      <p:transition spd="slow">
+        <p:fade/>
+      </p:transition>
+    </mc:Fallback>
+  </mc:AlternateContent>
   <p:timing>
     <p:tnLst>
       <p:par>
@@ -20217,8 +20323,8 @@
           </a:p>
         </p:txBody>
       </p:sp>
-      <mc:AlternateContent xmlns:mc="http://schemas.openxmlformats.org/markup-compatibility/2006">
-        <mc:Choice xmlns:a14="http://schemas.microsoft.com/office/drawing/2010/main" Requires="a14">
+      <mc:AlternateContent xmlns:mc="http://schemas.openxmlformats.org/markup-compatibility/2006" xmlns:a14="http://schemas.microsoft.com/office/drawing/2010/main">
+        <mc:Choice Requires="a14">
           <p:sp>
             <p:nvSpPr>
               <p:cNvPr id="3" name="Segnaposto testo 2"/>
@@ -20289,11 +20395,7 @@
                 </a14:m>
                 <a:r>
                   <a:rPr lang="it-IT" dirty="0" smtClean="0"/>
-                  <a:t> we </a:t>
-                </a:r>
-                <a:r>
-                  <a:rPr lang="it-IT" dirty="0" smtClean="0"/>
-                  <a:t>take </a:t>
+                  <a:t> we take </a:t>
                 </a:r>
                 <a:r>
                   <a:rPr lang="it-IT" dirty="0" err="1" smtClean="0"/>
@@ -20542,11 +20644,7 @@
                 </a:r>
                 <a:r>
                   <a:rPr lang="it-IT" dirty="0" smtClean="0"/>
-                  <a:t> </a:t>
-                </a:r>
-                <a:r>
-                  <a:rPr lang="it-IT" dirty="0" smtClean="0"/>
-                  <a:t>with </a:t>
+                  <a:t> with </a:t>
                 </a:r>
                 <a14:m>
                   <m:oMath xmlns:m="http://schemas.openxmlformats.org/officeDocument/2006/math">
@@ -20730,11 +20828,7 @@
                 </a:r>
                 <a:r>
                   <a:rPr lang="it-IT" dirty="0" smtClean="0"/>
-                  <a:t> </a:t>
-                </a:r>
-                <a:r>
-                  <a:rPr lang="it-IT" dirty="0" smtClean="0"/>
-                  <a:t>(for </a:t>
+                  <a:t> (for </a:t>
                 </a:r>
                 <a:r>
                   <a:rPr lang="it-IT" dirty="0" err="1" smtClean="0"/>
@@ -21021,7 +21115,7 @@
             </p:txBody>
           </p:sp>
         </mc:Choice>
-        <mc:Fallback>
+        <mc:Fallback xmlns="">
           <p:sp>
             <p:nvSpPr>
               <p:cNvPr id="3" name="Segnaposto testo 2"/>
@@ -21065,6 +21159,18 @@
   <p:clrMapOvr>
     <a:masterClrMapping/>
   </p:clrMapOvr>
+  <mc:AlternateContent xmlns:mc="http://schemas.openxmlformats.org/markup-compatibility/2006">
+    <mc:Choice xmlns:p14="http://schemas.microsoft.com/office/powerpoint/2010/main" Requires="p14">
+      <p:transition spd="slow" p14:dur="1600">
+        <p14:conveyor dir="l"/>
+      </p:transition>
+    </mc:Choice>
+    <mc:Fallback>
+      <p:transition spd="slow">
+        <p:fade/>
+      </p:transition>
+    </mc:Fallback>
+  </mc:AlternateContent>
   <p:timing>
     <p:tnLst>
       <p:par>
@@ -21131,8 +21237,8 @@
           </a:p>
         </p:txBody>
       </p:sp>
-      <mc:AlternateContent xmlns:mc="http://schemas.openxmlformats.org/markup-compatibility/2006">
-        <mc:Choice xmlns:a14="http://schemas.microsoft.com/office/drawing/2010/main" Requires="a14">
+      <mc:AlternateContent xmlns:mc="http://schemas.openxmlformats.org/markup-compatibility/2006" xmlns:a14="http://schemas.microsoft.com/office/drawing/2010/main">
+        <mc:Choice Requires="a14">
           <p:sp>
             <p:nvSpPr>
               <p:cNvPr id="3" name="Segnaposto testo 2"/>
@@ -21576,7 +21682,6 @@
                   <a:rPr lang="it-IT" dirty="0" smtClean="0"/>
                   <a:t>++;</a:t>
                 </a:r>
-                <a:endParaRPr lang="it-IT" dirty="0" smtClean="0"/>
               </a:p>
               <a:p>
                 <a:pPr marL="146050" indent="0">
@@ -21710,7 +21815,7 @@
             </p:txBody>
           </p:sp>
         </mc:Choice>
-        <mc:Fallback>
+        <mc:Fallback xmlns="">
           <p:sp>
             <p:nvSpPr>
               <p:cNvPr id="3" name="Segnaposto testo 2"/>
@@ -21754,6 +21859,18 @@
   <p:clrMapOvr>
     <a:masterClrMapping/>
   </p:clrMapOvr>
+  <mc:AlternateContent xmlns:mc="http://schemas.openxmlformats.org/markup-compatibility/2006">
+    <mc:Choice xmlns:p14="http://schemas.microsoft.com/office/powerpoint/2010/main" Requires="p14">
+      <p:transition spd="slow" p14:dur="1600">
+        <p14:conveyor dir="l"/>
+      </p:transition>
+    </mc:Choice>
+    <mc:Fallback>
+      <p:transition spd="slow">
+        <p:fade/>
+      </p:transition>
+    </mc:Fallback>
+  </mc:AlternateContent>
   <p:timing>
     <p:tnLst>
       <p:par>
@@ -22034,6 +22151,18 @@
   <p:clrMapOvr>
     <a:masterClrMapping/>
   </p:clrMapOvr>
+  <mc:AlternateContent xmlns:mc="http://schemas.openxmlformats.org/markup-compatibility/2006">
+    <mc:Choice xmlns:p14="http://schemas.microsoft.com/office/powerpoint/2010/main" Requires="p14">
+      <p:transition spd="slow" p14:dur="1600">
+        <p14:conveyor dir="l"/>
+      </p:transition>
+    </mc:Choice>
+    <mc:Fallback>
+      <p:transition spd="slow">
+        <p:fade/>
+      </p:transition>
+    </mc:Fallback>
+  </mc:AlternateContent>
   <p:timing>
     <p:tnLst>
       <p:par>
@@ -22285,7 +22414,6 @@
               <a:rPr lang="it-IT" dirty="0" smtClean="0"/>
               <a:t> </a:t>
             </a:r>
-            <a:endParaRPr lang="it-IT" dirty="0" smtClean="0"/>
           </a:p>
           <a:p>
             <a:pPr>
@@ -22313,6 +22441,18 @@
   <p:clrMapOvr>
     <a:masterClrMapping/>
   </p:clrMapOvr>
+  <mc:AlternateContent xmlns:mc="http://schemas.openxmlformats.org/markup-compatibility/2006">
+    <mc:Choice xmlns:p14="http://schemas.microsoft.com/office/powerpoint/2010/main" Requires="p14">
+      <p:transition spd="slow" p14:dur="1600">
+        <p14:conveyor dir="l"/>
+      </p:transition>
+    </mc:Choice>
+    <mc:Fallback>
+      <p:transition spd="slow">
+        <p:fade/>
+      </p:transition>
+    </mc:Fallback>
+  </mc:AlternateContent>
   <p:timing>
     <p:tnLst>
       <p:par>
@@ -22741,6 +22881,18 @@
   <p:clrMapOvr>
     <a:masterClrMapping/>
   </p:clrMapOvr>
+  <mc:AlternateContent xmlns:mc="http://schemas.openxmlformats.org/markup-compatibility/2006">
+    <mc:Choice xmlns:p14="http://schemas.microsoft.com/office/powerpoint/2010/main" Requires="p14">
+      <p:transition spd="slow" p14:dur="1600">
+        <p14:conveyor dir="l"/>
+      </p:transition>
+    </mc:Choice>
+    <mc:Fallback>
+      <p:transition spd="slow">
+        <p:fade/>
+      </p:transition>
+    </mc:Fallback>
+  </mc:AlternateContent>
   <p:timing>
     <p:tnLst>
       <p:par>
@@ -23957,6 +24109,18 @@
   <p:clrMapOvr>
     <a:masterClrMapping/>
   </p:clrMapOvr>
+  <mc:AlternateContent xmlns:mc="http://schemas.openxmlformats.org/markup-compatibility/2006">
+    <mc:Choice xmlns:p14="http://schemas.microsoft.com/office/powerpoint/2010/main" Requires="p14">
+      <p:transition spd="slow" p14:dur="1600">
+        <p14:conveyor dir="l"/>
+      </p:transition>
+    </mc:Choice>
+    <mc:Fallback>
+      <p:transition spd="slow">
+        <p:fade/>
+      </p:transition>
+    </mc:Fallback>
+  </mc:AlternateContent>
   <p:timing>
     <p:tnLst>
       <p:par>
@@ -24404,11 +24568,7 @@
                 </a:r>
                 <a:r>
                   <a:rPr lang="it-IT" dirty="0" smtClean="0"/>
-                  <a:t> </a:t>
-                </a:r>
-                <a:r>
-                  <a:rPr lang="it-IT" dirty="0" smtClean="0"/>
-                  <a:t>an </a:t>
+                  <a:t> an </a:t>
                 </a:r>
                 <a:r>
                   <a:rPr lang="it-IT" b="1" dirty="0" smtClean="0"/>
@@ -24473,11 +24633,7 @@
                 </a:r>
                 <a:r>
                   <a:rPr lang="it-IT" b="1" dirty="0" smtClean="0"/>
-                  <a:t> </a:t>
-                </a:r>
-                <a:r>
-                  <a:rPr lang="it-IT" b="1" dirty="0" smtClean="0"/>
-                  <a:t>a long </a:t>
+                  <a:t> a long </a:t>
                 </a:r>
                 <a:r>
                   <a:rPr lang="it-IT" b="1" dirty="0" err="1" smtClean="0"/>
@@ -24512,32 +24668,32 @@
                   <a:t>: </a:t>
                 </a:r>
                 <a:r>
-                  <a:rPr lang="it-IT" dirty="0" err="1" smtClean="0"/>
-                  <a:t>our</a:t>
+                  <a:rPr lang="it-IT" dirty="0" smtClean="0"/>
+                  <a:t>Alice </a:t>
+                </a:r>
+                <a:r>
+                  <a:rPr lang="it-IT" dirty="0" err="1" smtClean="0"/>
+                  <a:t>ephemeral’s</a:t>
+                </a:r>
+                <a:r>
+                  <a:rPr lang="it-IT" dirty="0" smtClean="0"/>
+                  <a:t> x </a:t>
+                </a:r>
+                <a:r>
+                  <a:rPr lang="it-IT" dirty="0" smtClean="0"/>
+                  <a:t>coordinate; </a:t>
+                </a:r>
+                <a:r>
+                  <a:rPr lang="it-IT" dirty="0" err="1" smtClean="0"/>
+                  <a:t>Alice’s</a:t>
                 </a:r>
                 <a:r>
                   <a:rPr lang="it-IT" dirty="0" smtClean="0"/>
                   <a:t> </a:t>
                 </a:r>
                 <a:r>
-                  <a:rPr lang="it-IT" dirty="0" smtClean="0"/>
-                  <a:t>Session </a:t>
-                </a:r>
-                <a:r>
-                  <a:rPr lang="it-IT" dirty="0" err="1" smtClean="0"/>
-                  <a:t>Key’s</a:t>
-                </a:r>
-                <a:r>
-                  <a:rPr lang="it-IT" dirty="0" smtClean="0"/>
-                  <a:t> x </a:t>
-                </a:r>
-                <a:r>
-                  <a:rPr lang="it-IT" dirty="0" smtClean="0"/>
-                  <a:t>coordinate; </a:t>
-                </a:r>
-                <a:r>
-                  <a:rPr lang="it-IT" dirty="0" err="1" smtClean="0"/>
-                  <a:t>Alice’s</a:t>
+                  <a:rPr lang="it-IT" dirty="0" err="1" smtClean="0"/>
+                  <a:t>encrypted</a:t>
                 </a:r>
                 <a:r>
                   <a:rPr lang="it-IT" dirty="0" smtClean="0"/>
@@ -24545,31 +24701,11 @@
                 </a:r>
                 <a:r>
                   <a:rPr lang="it-IT" dirty="0" err="1" smtClean="0"/>
-                  <a:t>encrypted</a:t>
-                </a:r>
-                <a:r>
-                  <a:rPr lang="it-IT" dirty="0" smtClean="0"/>
-                  <a:t> </a:t>
-                </a:r>
-                <a:r>
-                  <a:rPr lang="it-IT" dirty="0" err="1" smtClean="0"/>
                   <a:t>message</a:t>
                 </a:r>
                 <a:r>
                   <a:rPr lang="it-IT" dirty="0" smtClean="0"/>
-                  <a:t>; </a:t>
-                </a:r>
-                <a:r>
-                  <a:rPr lang="it-IT" dirty="0" smtClean="0"/>
-                  <a:t>the </a:t>
-                </a:r>
-                <a:r>
-                  <a:rPr lang="it-IT" dirty="0" smtClean="0"/>
-                  <a:t>MAC </a:t>
-                </a:r>
-                <a:r>
-                  <a:rPr lang="it-IT" dirty="0" smtClean="0"/>
-                  <a:t>TAG.</a:t>
+                  <a:t>; the MAC TAG.</a:t>
                 </a:r>
                 <a:endParaRPr lang="it-IT" dirty="0"/>
               </a:p>
@@ -24624,6 +24760,18 @@
   <p:clrMapOvr>
     <a:masterClrMapping/>
   </p:clrMapOvr>
+  <mc:AlternateContent xmlns:mc="http://schemas.openxmlformats.org/markup-compatibility/2006">
+    <mc:Choice xmlns:p14="http://schemas.microsoft.com/office/powerpoint/2010/main" Requires="p14">
+      <p:transition spd="slow" p14:dur="1600">
+        <p14:conveyor dir="l"/>
+      </p:transition>
+    </mc:Choice>
+    <mc:Fallback>
+      <p:transition spd="slow">
+        <p:fade/>
+      </p:transition>
+    </mc:Fallback>
+  </mc:AlternateContent>
   <p:timing>
     <p:tnLst>
       <p:par>
@@ -24690,8 +24838,8 @@
           </a:p>
         </p:txBody>
       </p:sp>
-      <mc:AlternateContent xmlns:mc="http://schemas.openxmlformats.org/markup-compatibility/2006">
-        <mc:Choice xmlns:a14="http://schemas.microsoft.com/office/drawing/2010/main" Requires="a14">
+      <mc:AlternateContent xmlns:mc="http://schemas.openxmlformats.org/markup-compatibility/2006" xmlns:a14="http://schemas.microsoft.com/office/drawing/2010/main">
+        <mc:Choice Requires="a14">
           <p:sp>
             <p:nvSpPr>
               <p:cNvPr id="6" name="Segnaposto testo 5"/>
@@ -24738,13 +24886,6 @@
                   </a:rPr>
                   <a:t>m</a:t>
                 </a:r>
-                <a:endParaRPr lang="it-IT" b="1" i="1" dirty="0" smtClean="0">
-                  <a:solidFill>
-                    <a:schemeClr val="tx1">
-                      <a:lumMod val="75000"/>
-                    </a:schemeClr>
-                  </a:solidFill>
-                </a:endParaRPr>
               </a:p>
               <a:p>
                 <a:pPr marL="488950" indent="-342900">
@@ -25159,7 +25300,7 @@
             </p:txBody>
           </p:sp>
         </mc:Choice>
-        <mc:Fallback>
+        <mc:Fallback xmlns="">
           <p:sp>
             <p:nvSpPr>
               <p:cNvPr id="6" name="Segnaposto testo 5"/>
@@ -25207,6 +25348,18 @@
   <p:clrMapOvr>
     <a:masterClrMapping/>
   </p:clrMapOvr>
+  <mc:AlternateContent xmlns:mc="http://schemas.openxmlformats.org/markup-compatibility/2006">
+    <mc:Choice xmlns:p14="http://schemas.microsoft.com/office/powerpoint/2010/main" Requires="p14">
+      <p:transition spd="slow" p14:dur="1600">
+        <p14:conveyor dir="l"/>
+      </p:transition>
+    </mc:Choice>
+    <mc:Fallback>
+      <p:transition spd="slow">
+        <p:fade/>
+      </p:transition>
+    </mc:Fallback>
+  </mc:AlternateContent>
   <p:timing>
     <p:tnLst>
       <p:par>
@@ -25273,8 +25426,8 @@
           </a:p>
         </p:txBody>
       </p:sp>
-      <mc:AlternateContent xmlns:mc="http://schemas.openxmlformats.org/markup-compatibility/2006">
-        <mc:Choice xmlns:a14="http://schemas.microsoft.com/office/drawing/2010/main" Requires="a14">
+      <mc:AlternateContent xmlns:mc="http://schemas.openxmlformats.org/markup-compatibility/2006" xmlns:a14="http://schemas.microsoft.com/office/drawing/2010/main">
+        <mc:Choice Requires="a14">
           <p:sp>
             <p:nvSpPr>
               <p:cNvPr id="3" name="Segnaposto testo 2"/>
@@ -25336,7 +25489,7 @@
                     <m:d>
                       <m:dPr>
                         <m:ctrlPr>
-                          <a:rPr lang="it-IT" b="0" smtClean="0">
+                          <a:rPr lang="it-IT" b="0" i="1" smtClean="0">
                             <a:latin typeface="Cambria Math" panose="02040503050406030204" pitchFamily="18" charset="0"/>
                           </a:rPr>
                         </m:ctrlPr>
@@ -25345,7 +25498,7 @@
                         <m:sSub>
                           <m:sSubPr>
                             <m:ctrlPr>
-                              <a:rPr lang="it-IT">
+                              <a:rPr lang="it-IT" i="1">
                                 <a:latin typeface="Cambria Math" panose="02040503050406030204" pitchFamily="18" charset="0"/>
                               </a:rPr>
                             </m:ctrlPr>
@@ -25373,7 +25526,7 @@
                         <m:d>
                           <m:dPr>
                             <m:ctrlPr>
-                              <a:rPr lang="it-IT">
+                              <a:rPr lang="it-IT" i="1">
                                 <a:latin typeface="Cambria Math" panose="02040503050406030204" pitchFamily="18" charset="0"/>
                               </a:rPr>
                             </m:ctrlPr>
@@ -25465,7 +25618,7 @@
                     <m:sSub>
                       <m:sSubPr>
                         <m:ctrlPr>
-                          <a:rPr lang="it-IT">
+                          <a:rPr lang="it-IT" i="1">
                             <a:latin typeface="Cambria Math" panose="02040503050406030204" pitchFamily="18" charset="0"/>
                           </a:rPr>
                         </m:ctrlPr>
@@ -25493,7 +25646,7 @@
                     <m:d>
                       <m:dPr>
                         <m:ctrlPr>
-                          <a:rPr lang="it-IT">
+                          <a:rPr lang="it-IT" i="1">
                             <a:latin typeface="Cambria Math" panose="02040503050406030204" pitchFamily="18" charset="0"/>
                           </a:rPr>
                         </m:ctrlPr>
@@ -25511,7 +25664,7 @@
                         <m:d>
                           <m:dPr>
                             <m:ctrlPr>
-                              <a:rPr lang="it-IT">
+                              <a:rPr lang="it-IT" i="1">
                                 <a:latin typeface="Cambria Math" panose="02040503050406030204" pitchFamily="18" charset="0"/>
                               </a:rPr>
                             </m:ctrlPr>
@@ -25629,7 +25782,7 @@
                     <m:sSub>
                       <m:sSubPr>
                         <m:ctrlPr>
-                          <a:rPr lang="it-IT">
+                          <a:rPr lang="it-IT" i="1">
                             <a:latin typeface="Cambria Math" panose="02040503050406030204" pitchFamily="18" charset="0"/>
                           </a:rPr>
                         </m:ctrlPr>
@@ -25657,7 +25810,7 @@
                     <m:d>
                       <m:dPr>
                         <m:ctrlPr>
-                          <a:rPr lang="it-IT">
+                          <a:rPr lang="it-IT" i="1">
                             <a:latin typeface="Cambria Math" panose="02040503050406030204" pitchFamily="18" charset="0"/>
                           </a:rPr>
                         </m:ctrlPr>
@@ -25675,7 +25828,7 @@
                         <m:d>
                           <m:dPr>
                             <m:ctrlPr>
-                              <a:rPr lang="it-IT">
+                              <a:rPr lang="it-IT" i="1">
                                 <a:latin typeface="Cambria Math" panose="02040503050406030204" pitchFamily="18" charset="0"/>
                               </a:rPr>
                             </m:ctrlPr>
@@ -25984,19 +26137,7 @@
                           <a:rPr lang="it-IT" i="1">
                             <a:latin typeface="Cambria Math" panose="02040503050406030204" pitchFamily="18" charset="0"/>
                           </a:rPr>
-                          <m:t>,  </m:t>
-                        </m:r>
-                        <m:r>
-                          <a:rPr lang="it-IT" i="1">
-                            <a:latin typeface="Cambria Math" panose="02040503050406030204" pitchFamily="18" charset="0"/>
-                          </a:rPr>
-                          <m:t>0</m:t>
-                        </m:r>
-                        <m:r>
-                          <a:rPr lang="it-IT" i="1">
-                            <a:latin typeface="Cambria Math" panose="02040503050406030204" pitchFamily="18" charset="0"/>
-                          </a:rPr>
-                          <m:t> →</m:t>
+                          <m:t>,  0 →</m:t>
                         </m:r>
                         <m:r>
                           <a:rPr lang="it-IT" b="1" i="1">
@@ -26118,7 +26259,6 @@
                   <a:rPr lang="it-IT" dirty="0"/>
                   <a:t>;</a:t>
                 </a:r>
-                <a:endParaRPr lang="it-IT" dirty="0"/>
               </a:p>
               <a:p>
                 <a:pPr marL="146050" indent="0">
@@ -26643,7 +26783,7 @@
             </p:txBody>
           </p:sp>
         </mc:Choice>
-        <mc:Fallback>
+        <mc:Fallback xmlns="">
           <p:sp>
             <p:nvSpPr>
               <p:cNvPr id="3" name="Segnaposto testo 2"/>
@@ -26691,6 +26831,18 @@
   <p:clrMapOvr>
     <a:masterClrMapping/>
   </p:clrMapOvr>
+  <mc:AlternateContent xmlns:mc="http://schemas.openxmlformats.org/markup-compatibility/2006">
+    <mc:Choice xmlns:p14="http://schemas.microsoft.com/office/powerpoint/2010/main" Requires="p14">
+      <p:transition spd="slow" p14:dur="1600">
+        <p14:conveyor dir="l"/>
+      </p:transition>
+    </mc:Choice>
+    <mc:Fallback>
+      <p:transition spd="slow">
+        <p:fade/>
+      </p:transition>
+    </mc:Fallback>
+  </mc:AlternateContent>
   <p:timing>
     <p:tnLst>
       <p:par>
@@ -26781,6 +26933,18 @@
   <p:clrMapOvr>
     <a:masterClrMapping/>
   </p:clrMapOvr>
+  <mc:AlternateContent xmlns:mc="http://schemas.openxmlformats.org/markup-compatibility/2006">
+    <mc:Choice xmlns:p14="http://schemas.microsoft.com/office/powerpoint/2010/main" Requires="p14">
+      <p:transition spd="slow" p14:dur="1600">
+        <p14:conveyor dir="l"/>
+      </p:transition>
+    </mc:Choice>
+    <mc:Fallback>
+      <p:transition spd="slow">
+        <p:fade/>
+      </p:transition>
+    </mc:Fallback>
+  </mc:AlternateContent>
   <p:timing>
     <p:tnLst>
       <p:par>
@@ -26843,8 +27007,8 @@
           </a:p>
         </p:txBody>
       </p:sp>
-      <mc:AlternateContent xmlns:mc="http://schemas.openxmlformats.org/markup-compatibility/2006">
-        <mc:Choice xmlns:a14="http://schemas.microsoft.com/office/drawing/2010/main" Requires="a14">
+      <mc:AlternateContent xmlns:mc="http://schemas.openxmlformats.org/markup-compatibility/2006" xmlns:a14="http://schemas.microsoft.com/office/drawing/2010/main">
+        <mc:Choice Requires="a14">
           <p:sp>
             <p:nvSpPr>
               <p:cNvPr id="3" name="Segnaposto testo 2"/>
@@ -27490,7 +27654,7 @@
             </p:txBody>
           </p:sp>
         </mc:Choice>
-        <mc:Fallback>
+        <mc:Fallback xmlns="">
           <p:sp>
             <p:nvSpPr>
               <p:cNvPr id="3" name="Segnaposto testo 2"/>
@@ -27534,6 +27698,18 @@
   <p:clrMapOvr>
     <a:masterClrMapping/>
   </p:clrMapOvr>
+  <mc:AlternateContent xmlns:mc="http://schemas.openxmlformats.org/markup-compatibility/2006">
+    <mc:Choice xmlns:p14="http://schemas.microsoft.com/office/powerpoint/2010/main" Requires="p14">
+      <p:transition spd="slow" p14:dur="1600">
+        <p14:conveyor dir="l"/>
+      </p:transition>
+    </mc:Choice>
+    <mc:Fallback>
+      <p:transition spd="slow">
+        <p:fade/>
+      </p:transition>
+    </mc:Fallback>
+  </mc:AlternateContent>
   <p:timing>
     <p:tnLst>
       <p:par>
@@ -27596,8 +27772,8 @@
           </a:p>
         </p:txBody>
       </p:sp>
-      <mc:AlternateContent xmlns:mc="http://schemas.openxmlformats.org/markup-compatibility/2006">
-        <mc:Choice xmlns:a14="http://schemas.microsoft.com/office/drawing/2010/main" Requires="a14">
+      <mc:AlternateContent xmlns:mc="http://schemas.openxmlformats.org/markup-compatibility/2006" xmlns:a14="http://schemas.microsoft.com/office/drawing/2010/main">
+        <mc:Choice Requires="a14">
           <p:sp>
             <p:nvSpPr>
               <p:cNvPr id="3" name="Segnaposto testo 2"/>
@@ -28433,7 +28609,7 @@
             </p:txBody>
           </p:sp>
         </mc:Choice>
-        <mc:Fallback>
+        <mc:Fallback xmlns="">
           <p:sp>
             <p:nvSpPr>
               <p:cNvPr id="3" name="Segnaposto testo 2"/>
@@ -28481,6 +28657,18 @@
   <p:clrMapOvr>
     <a:masterClrMapping/>
   </p:clrMapOvr>
+  <mc:AlternateContent xmlns:mc="http://schemas.openxmlformats.org/markup-compatibility/2006">
+    <mc:Choice xmlns:p14="http://schemas.microsoft.com/office/powerpoint/2010/main" Requires="p14">
+      <p:transition spd="slow" p14:dur="1600">
+        <p14:conveyor dir="l"/>
+      </p:transition>
+    </mc:Choice>
+    <mc:Fallback>
+      <p:transition spd="slow">
+        <p:fade/>
+      </p:transition>
+    </mc:Fallback>
+  </mc:AlternateContent>
   <p:timing>
     <p:tnLst>
       <p:par>
@@ -28492,7 +28680,7 @@
 </file>
 
 <file path=ppt/slides/slide29.xml><?xml version="1.0" encoding="utf-8"?>
-<p:sld xmlns:a="http://schemas.openxmlformats.org/drawingml/2006/main" xmlns:r="http://schemas.openxmlformats.org/officeDocument/2006/relationships" xmlns:p="http://schemas.openxmlformats.org/presentationml/2006/main">
+<p:sld xmlns:a="http://schemas.openxmlformats.org/drawingml/2006/main" xmlns:r="http://schemas.openxmlformats.org/officeDocument/2006/relationships" xmlns:p="http://schemas.openxmlformats.org/presentationml/2006/main" show="0">
   <p:cSld>
     <p:spTree>
       <p:nvGrpSpPr>
@@ -28543,8 +28731,8 @@
           </a:p>
         </p:txBody>
       </p:sp>
-      <mc:AlternateContent xmlns:mc="http://schemas.openxmlformats.org/markup-compatibility/2006">
-        <mc:Choice xmlns:a14="http://schemas.microsoft.com/office/drawing/2010/main" Requires="a14">
+      <mc:AlternateContent xmlns:mc="http://schemas.openxmlformats.org/markup-compatibility/2006" xmlns:a14="http://schemas.microsoft.com/office/drawing/2010/main">
+        <mc:Choice Requires="a14">
           <p:sp>
             <p:nvSpPr>
               <p:cNvPr id="3" name="Segnaposto testo 2"/>
@@ -29557,7 +29745,7 @@
             </p:txBody>
           </p:sp>
         </mc:Choice>
-        <mc:Fallback>
+        <mc:Fallback xmlns="">
           <p:sp>
             <p:nvSpPr>
               <p:cNvPr id="3" name="Segnaposto testo 2"/>
@@ -29605,6 +29793,18 @@
   <p:clrMapOvr>
     <a:masterClrMapping/>
   </p:clrMapOvr>
+  <mc:AlternateContent xmlns:mc="http://schemas.openxmlformats.org/markup-compatibility/2006">
+    <mc:Choice xmlns:p14="http://schemas.microsoft.com/office/powerpoint/2010/main" Requires="p14">
+      <p:transition spd="slow" p14:dur="1600">
+        <p14:conveyor dir="l"/>
+      </p:transition>
+    </mc:Choice>
+    <mc:Fallback>
+      <p:transition spd="slow">
+        <p:fade/>
+      </p:transition>
+    </mc:Fallback>
+  </mc:AlternateContent>
   <p:timing>
     <p:tnLst>
       <p:par>
@@ -29678,8 +29878,8 @@
           </a:p>
         </p:txBody>
       </p:sp>
-      <mc:AlternateContent xmlns:mc="http://schemas.openxmlformats.org/markup-compatibility/2006" xmlns:a14="http://schemas.microsoft.com/office/drawing/2010/main">
-        <mc:Choice Requires="a14">
+      <mc:AlternateContent xmlns:mc="http://schemas.openxmlformats.org/markup-compatibility/2006">
+        <mc:Choice xmlns:a14="http://schemas.microsoft.com/office/drawing/2010/main" Requires="a14">
           <p:sp>
             <p:nvSpPr>
               <p:cNvPr id="291" name="Shape 291"/>
@@ -29715,8 +29915,104 @@
                   <a:buNone/>
                 </a:pPr>
                 <a:r>
-                  <a:rPr lang="it-IT" dirty="0" smtClean="0"/>
-                  <a:t>First we choose the set of Public Domain Parameters (a, b, p, G, n, h) according to:</a:t>
+                  <a:rPr lang="it-IT" dirty="0" err="1" smtClean="0"/>
+                  <a:t>Both</a:t>
+                </a:r>
+                <a:r>
+                  <a:rPr lang="it-IT" dirty="0" smtClean="0"/>
+                  <a:t> parties </a:t>
+                </a:r>
+                <a:r>
+                  <a:rPr lang="it-IT" dirty="0" err="1" smtClean="0"/>
+                  <a:t>agree</a:t>
+                </a:r>
+                <a:r>
+                  <a:rPr lang="it-IT" dirty="0" smtClean="0"/>
+                  <a:t> on the set of Public Domain Parameters </a:t>
+                </a:r>
+                <a:r>
+                  <a:rPr lang="it-IT" b="1" dirty="0" smtClean="0"/>
+                  <a:t>(</a:t>
+                </a:r>
+                <a:r>
+                  <a:rPr lang="it-IT" b="1" dirty="0" smtClean="0">
+                    <a:solidFill>
+                      <a:srgbClr val="7030A0"/>
+                    </a:solidFill>
+                  </a:rPr>
+                  <a:t>a</a:t>
+                </a:r>
+                <a:r>
+                  <a:rPr lang="it-IT" b="1" dirty="0" smtClean="0"/>
+                  <a:t>, </a:t>
+                </a:r>
+                <a:r>
+                  <a:rPr lang="it-IT" b="1" dirty="0" smtClean="0">
+                    <a:solidFill>
+                      <a:srgbClr val="7030A0"/>
+                    </a:solidFill>
+                  </a:rPr>
+                  <a:t>b</a:t>
+                </a:r>
+                <a:r>
+                  <a:rPr lang="it-IT" b="1" dirty="0" smtClean="0"/>
+                  <a:t>, </a:t>
+                </a:r>
+                <a:r>
+                  <a:rPr lang="it-IT" b="1" dirty="0" smtClean="0">
+                    <a:solidFill>
+                      <a:schemeClr val="accent6">
+                        <a:lumMod val="50000"/>
+                      </a:schemeClr>
+                    </a:solidFill>
+                  </a:rPr>
+                  <a:t>p</a:t>
+                </a:r>
+                <a:r>
+                  <a:rPr lang="it-IT" b="1" dirty="0" smtClean="0"/>
+                  <a:t>, </a:t>
+                </a:r>
+                <a:r>
+                  <a:rPr lang="it-IT" b="1" dirty="0" smtClean="0">
+                    <a:solidFill>
+                      <a:schemeClr val="accent3">
+                        <a:lumMod val="50000"/>
+                      </a:schemeClr>
+                    </a:solidFill>
+                  </a:rPr>
+                  <a:t>G</a:t>
+                </a:r>
+                <a:r>
+                  <a:rPr lang="it-IT" b="1" dirty="0" smtClean="0"/>
+                  <a:t>, </a:t>
+                </a:r>
+                <a:r>
+                  <a:rPr lang="it-IT" b="1" dirty="0" smtClean="0">
+                    <a:solidFill>
+                      <a:schemeClr val="accent3">
+                        <a:lumMod val="50000"/>
+                      </a:schemeClr>
+                    </a:solidFill>
+                  </a:rPr>
+                  <a:t>n</a:t>
+                </a:r>
+                <a:r>
+                  <a:rPr lang="it-IT" b="1" dirty="0" smtClean="0"/>
+                  <a:t>,</a:t>
+                </a:r>
+                <a:r>
+                  <a:rPr lang="it-IT" b="1" dirty="0" smtClean="0">
+                    <a:solidFill>
+                      <a:schemeClr val="accent3">
+                        <a:lumMod val="50000"/>
+                      </a:schemeClr>
+                    </a:solidFill>
+                  </a:rPr>
+                  <a:t> h</a:t>
+                </a:r>
+                <a:r>
+                  <a:rPr lang="it-IT" b="1" dirty="0" smtClean="0"/>
+                  <a:t>)</a:t>
                 </a:r>
                 <a:endParaRPr lang="it-IT" b="1" dirty="0"/>
               </a:p>
@@ -29728,8 +30024,42 @@
                   <a:buNone/>
                 </a:pPr>
                 <a:r>
+                  <a:rPr lang="it-IT" b="1" dirty="0">
+                    <a:solidFill>
+                      <a:srgbClr val="7030A0"/>
+                    </a:solidFill>
+                  </a:rPr>
+                  <a:t>a</a:t>
+                </a:r>
+                <a:r>
                   <a:rPr lang="it-IT" b="1" dirty="0"/>
-                  <a:t>a, b, p </a:t>
+                  <a:t>, </a:t>
+                </a:r>
+                <a:r>
+                  <a:rPr lang="it-IT" b="1" dirty="0">
+                    <a:solidFill>
+                      <a:srgbClr val="7030A0"/>
+                    </a:solidFill>
+                  </a:rPr>
+                  <a:t>b</a:t>
+                </a:r>
+                <a:r>
+                  <a:rPr lang="it-IT" b="1" dirty="0"/>
+                  <a:t>, </a:t>
+                </a:r>
+                <a:r>
+                  <a:rPr lang="it-IT" b="1" dirty="0">
+                    <a:solidFill>
+                      <a:schemeClr val="accent6">
+                        <a:lumMod val="50000"/>
+                      </a:schemeClr>
+                    </a:solidFill>
+                  </a:rPr>
+                  <a:t>p</a:t>
+                </a:r>
+                <a:r>
+                  <a:rPr lang="it-IT" b="1" dirty="0"/>
+                  <a:t> </a:t>
                 </a:r>
                 <a:r>
                   <a:rPr lang="it-IT" dirty="0"/>
@@ -29835,10 +30165,19 @@
                               <m:t>+</m:t>
                             </m:r>
                             <m:r>
+                              <a:rPr lang="it-IT" b="1" i="1" smtClean="0">
+                                <a:solidFill>
+                                  <a:srgbClr val="7030A0"/>
+                                </a:solidFill>
+                                <a:latin typeface="Cambria Math" panose="02040503050406030204" pitchFamily="18" charset="0"/>
+                              </a:rPr>
+                              <m:t>𝒂</m:t>
+                            </m:r>
+                            <m:r>
                               <a:rPr lang="it-IT" b="1" i="1">
                                 <a:latin typeface="Cambria Math" panose="02040503050406030204" pitchFamily="18" charset="0"/>
                               </a:rPr>
-                              <m:t>𝒂𝒙</m:t>
+                              <m:t>𝒙</m:t>
                             </m:r>
                             <m:r>
                               <a:rPr lang="it-IT" b="1" i="1">
@@ -29847,7 +30186,10 @@
                               <m:t>+</m:t>
                             </m:r>
                             <m:r>
-                              <a:rPr lang="it-IT" b="1" i="1">
+                              <a:rPr lang="it-IT" b="1" i="1" smtClean="0">
+                                <a:solidFill>
+                                  <a:srgbClr val="7030A0"/>
+                                </a:solidFill>
                                 <a:latin typeface="Cambria Math" panose="02040503050406030204" pitchFamily="18" charset="0"/>
                               </a:rPr>
                               <m:t>𝒃</m:t>
@@ -29871,7 +30213,12 @@
                               <m:t>(</m:t>
                             </m:r>
                             <m:r>
-                              <a:rPr lang="it-IT" b="1" i="1">
+                              <a:rPr lang="it-IT" b="1" i="1" smtClean="0">
+                                <a:solidFill>
+                                  <a:schemeClr val="accent6">
+                                    <a:lumMod val="50000"/>
+                                  </a:schemeClr>
+                                </a:solidFill>
                                 <a:latin typeface="Cambria Math" panose="02040503050406030204" pitchFamily="18" charset="0"/>
                               </a:rPr>
                               <m:t>𝒑</m:t>
@@ -29900,7 +30247,10 @@
                               </m:sSupPr>
                               <m:e>
                                 <m:r>
-                                  <a:rPr lang="it-IT" b="1" i="1">
+                                  <a:rPr lang="it-IT" b="1" i="1" smtClean="0">
+                                    <a:solidFill>
+                                      <a:srgbClr val="7030A0"/>
+                                    </a:solidFill>
                                     <a:latin typeface="Cambria Math" panose="02040503050406030204" pitchFamily="18" charset="0"/>
                                   </a:rPr>
                                   <m:t>𝒂</m:t>
@@ -29946,7 +30296,10 @@
                               </m:sSupPr>
                               <m:e>
                                 <m:r>
-                                  <a:rPr lang="it-IT" b="1" i="1">
+                                  <a:rPr lang="it-IT" b="1" i="1" smtClean="0">
+                                    <a:solidFill>
+                                      <a:srgbClr val="7030A0"/>
+                                    </a:solidFill>
                                     <a:latin typeface="Cambria Math" panose="02040503050406030204" pitchFamily="18" charset="0"/>
                                     <a:ea typeface="Cambria Math" panose="02040503050406030204" pitchFamily="18" charset="0"/>
                                   </a:rPr>
@@ -29985,7 +30338,12 @@
                               <m:t>(</m:t>
                             </m:r>
                             <m:r>
-                              <a:rPr lang="it-IT" b="1" i="1">
+                              <a:rPr lang="it-IT" b="1" i="1" smtClean="0">
+                                <a:solidFill>
+                                  <a:schemeClr val="accent6">
+                                    <a:lumMod val="50000"/>
+                                  </a:schemeClr>
+                                </a:solidFill>
                                 <a:latin typeface="Cambria Math" panose="02040503050406030204" pitchFamily="18" charset="0"/>
                                 <a:ea typeface="Cambria Math" panose="02040503050406030204" pitchFamily="18" charset="0"/>
                               </a:rPr>
@@ -30043,8 +30401,18 @@
                   <a:buNone/>
                 </a:pPr>
                 <a:r>
+                  <a:rPr lang="it-IT" b="1" dirty="0">
+                    <a:solidFill>
+                      <a:schemeClr val="accent3">
+                        <a:lumMod val="50000"/>
+                      </a:schemeClr>
+                    </a:solidFill>
+                  </a:rPr>
+                  <a:t>G</a:t>
+                </a:r>
+                <a:r>
                   <a:rPr lang="it-IT" b="1" dirty="0"/>
-                  <a:t>G </a:t>
+                  <a:t> </a:t>
                 </a:r>
                 <a:r>
                   <a:rPr lang="it-IT" dirty="0"/>
@@ -30059,10 +30427,22 @@
                   <a:t> </a:t>
                 </a:r>
                 <a:r>
-                  <a:rPr lang="it-IT" b="1" dirty="0" smtClean="0"/>
+                  <a:rPr lang="it-IT" b="1" dirty="0" smtClean="0">
+                    <a:solidFill>
+                      <a:schemeClr val="accent1">
+                        <a:lumMod val="50000"/>
+                      </a:schemeClr>
+                    </a:solidFill>
+                  </a:rPr>
                   <a:t>n</a:t>
                 </a:r>
-                <a:endParaRPr lang="ar-AE" dirty="0"/>
+                <a:endParaRPr lang="ar-AE" dirty="0">
+                  <a:solidFill>
+                    <a:schemeClr val="accent1">
+                      <a:lumMod val="50000"/>
+                    </a:schemeClr>
+                  </a:solidFill>
+                </a:endParaRPr>
               </a:p>
               <a:p>
                 <a:pPr marL="0" lvl="0" indent="0">
@@ -30075,12 +30455,28 @@
                   <a:buNone/>
                 </a:pPr>
                 <a:r>
-                  <a:rPr lang="it-IT" b="1" dirty="0"/>
+                  <a:rPr lang="it-IT" b="1" dirty="0">
+                    <a:solidFill>
+                      <a:schemeClr val="accent1">
+                        <a:lumMod val="50000"/>
+                      </a:schemeClr>
+                    </a:solidFill>
+                  </a:rPr>
                   <a:t>h</a:t>
                 </a:r>
                 <a:r>
+                  <a:rPr lang="it-IT" dirty="0">
+                    <a:solidFill>
+                      <a:schemeClr val="accent1">
+                        <a:lumMod val="50000"/>
+                      </a:schemeClr>
+                    </a:solidFill>
+                  </a:rPr>
+                  <a:t> </a:t>
+                </a:r>
+                <a:r>
                   <a:rPr lang="it-IT" dirty="0"/>
-                  <a:t> is the cofactor of E </a:t>
+                  <a:t>is the cofactor of E </a:t>
                 </a:r>
                 <a:r>
                   <a:rPr lang="it-IT" dirty="0" err="1"/>
@@ -30101,7 +30497,12 @@
                 <a14:m>
                   <m:oMath xmlns:m="http://schemas.openxmlformats.org/officeDocument/2006/math">
                     <m:r>
-                      <a:rPr lang="it-IT" sz="1200" b="1" i="1">
+                      <a:rPr lang="it-IT" sz="1200" b="1" i="1" smtClean="0">
+                        <a:solidFill>
+                          <a:schemeClr val="accent1">
+                            <a:lumMod val="50000"/>
+                          </a:schemeClr>
+                        </a:solidFill>
                         <a:latin typeface="Cambria Math" panose="02040503050406030204" pitchFamily="18" charset="0"/>
                         <a:ea typeface="Cambria Math" panose="02040503050406030204" pitchFamily="18" charset="0"/>
                       </a:rPr>
@@ -30157,6 +30558,11 @@
                       <m:den>
                         <m:r>
                           <a:rPr lang="it-IT" sz="1600" b="1" i="1" smtClean="0">
+                            <a:solidFill>
+                              <a:schemeClr val="accent1">
+                                <a:lumMod val="50000"/>
+                              </a:schemeClr>
+                            </a:solidFill>
                             <a:latin typeface="Cambria Math" panose="02040503050406030204" pitchFamily="18" charset="0"/>
                             <a:ea typeface="Cambria Math" panose="02040503050406030204" pitchFamily="18" charset="0"/>
                           </a:rPr>
@@ -30174,7 +30580,7 @@
             </p:txBody>
           </p:sp>
         </mc:Choice>
-        <mc:Fallback xmlns="">
+        <mc:Fallback>
           <p:sp>
             <p:nvSpPr>
               <p:cNvPr id="291" name="Shape 291"/>
@@ -30220,6 +30626,18 @@
   <p:clrMapOvr>
     <a:masterClrMapping/>
   </p:clrMapOvr>
+  <mc:AlternateContent xmlns:mc="http://schemas.openxmlformats.org/markup-compatibility/2006">
+    <mc:Choice xmlns:p14="http://schemas.microsoft.com/office/powerpoint/2010/main" Requires="p14">
+      <p:transition spd="slow" p14:dur="1600">
+        <p14:conveyor dir="l"/>
+      </p:transition>
+    </mc:Choice>
+    <mc:Fallback>
+      <p:transition spd="slow">
+        <p:fade/>
+      </p:transition>
+    </mc:Fallback>
+  </mc:AlternateContent>
   <p:timing>
     <p:tnLst>
       <p:par>
@@ -30349,7 +30767,6 @@
               <a:rPr lang="it-IT" dirty="0" smtClean="0"/>
               <a:t> via ECAES.</a:t>
             </a:r>
-            <a:endParaRPr lang="it-IT" dirty="0" smtClean="0"/>
           </a:p>
           <a:p>
             <a:pPr>
@@ -30393,11 +30810,7 @@
             </a:r>
             <a:r>
               <a:rPr lang="it-IT" dirty="0" err="1" smtClean="0"/>
-              <a:t>comprehen</a:t>
-            </a:r>
-            <a:r>
-              <a:rPr lang="it-IT" dirty="0" err="1" smtClean="0"/>
-              <a:t>d</a:t>
+              <a:t>comprehend</a:t>
             </a:r>
             <a:r>
               <a:rPr lang="it-IT" dirty="0" smtClean="0"/>
@@ -30523,7 +30936,6 @@
               <a:rPr lang="it-IT" dirty="0" smtClean="0"/>
               <a:t>.</a:t>
             </a:r>
-            <a:endParaRPr lang="it-IT" dirty="0" smtClean="0"/>
           </a:p>
           <a:p>
             <a:pPr>
@@ -30639,11 +31051,7 @@
             </a:r>
             <a:r>
               <a:rPr lang="it-IT" dirty="0" smtClean="0"/>
-              <a:t>. </a:t>
-            </a:r>
-            <a:r>
-              <a:rPr lang="it-IT" dirty="0" smtClean="0"/>
-              <a:t>A positive test </a:t>
+              <a:t>. A positive test </a:t>
             </a:r>
             <a:r>
               <a:rPr lang="it-IT" dirty="0" err="1" smtClean="0"/>
@@ -30711,6 +31119,18 @@
   <p:clrMapOvr>
     <a:masterClrMapping/>
   </p:clrMapOvr>
+  <mc:AlternateContent xmlns:mc="http://schemas.openxmlformats.org/markup-compatibility/2006">
+    <mc:Choice xmlns:p14="http://schemas.microsoft.com/office/powerpoint/2010/main" Requires="p14">
+      <p:transition spd="slow" p14:dur="1600">
+        <p14:conveyor dir="l"/>
+      </p:transition>
+    </mc:Choice>
+    <mc:Fallback>
+      <p:transition spd="slow">
+        <p:fade/>
+      </p:transition>
+    </mc:Fallback>
+  </mc:AlternateContent>
   <p:timing>
     <p:tnLst>
       <p:par>
@@ -30755,11 +31175,7 @@
           <a:p>
             <a:r>
               <a:rPr lang="it-IT" dirty="0" err="1" smtClean="0"/>
-              <a:t>De</a:t>
-            </a:r>
-            <a:r>
-              <a:rPr lang="it-IT" dirty="0" err="1" smtClean="0"/>
-              <a:t>cryption</a:t>
+              <a:t>Decryption</a:t>
             </a:r>
             <a:r>
               <a:rPr lang="it-IT" dirty="0" smtClean="0"/>
@@ -30781,8 +31197,8 @@
           </a:p>
         </p:txBody>
       </p:sp>
-      <mc:AlternateContent xmlns:mc="http://schemas.openxmlformats.org/markup-compatibility/2006">
-        <mc:Choice xmlns:a14="http://schemas.microsoft.com/office/drawing/2010/main" Requires="a14">
+      <mc:AlternateContent xmlns:mc="http://schemas.openxmlformats.org/markup-compatibility/2006" xmlns:a14="http://schemas.microsoft.com/office/drawing/2010/main">
+        <mc:Choice Requires="a14">
           <p:sp>
             <p:nvSpPr>
               <p:cNvPr id="6" name="Segnaposto testo 5"/>
@@ -31370,7 +31786,7 @@
             </p:txBody>
           </p:sp>
         </mc:Choice>
-        <mc:Fallback>
+        <mc:Fallback xmlns="">
           <p:sp>
             <p:nvSpPr>
               <p:cNvPr id="6" name="Segnaposto testo 5"/>
@@ -31418,6 +31834,18 @@
   <p:clrMapOvr>
     <a:masterClrMapping/>
   </p:clrMapOvr>
+  <mc:AlternateContent xmlns:mc="http://schemas.openxmlformats.org/markup-compatibility/2006">
+    <mc:Choice xmlns:p14="http://schemas.microsoft.com/office/powerpoint/2010/main" Requires="p14">
+      <p:transition spd="slow" p14:dur="1600">
+        <p14:conveyor dir="l"/>
+      </p:transition>
+    </mc:Choice>
+    <mc:Fallback>
+      <p:transition spd="slow">
+        <p:fade/>
+      </p:transition>
+    </mc:Fallback>
+  </mc:AlternateContent>
   <p:timing>
     <p:tnLst>
       <p:par>
@@ -31484,8 +31912,8 @@
           </a:p>
         </p:txBody>
       </p:sp>
-      <mc:AlternateContent xmlns:mc="http://schemas.openxmlformats.org/markup-compatibility/2006">
-        <mc:Choice xmlns:a14="http://schemas.microsoft.com/office/drawing/2010/main" Requires="a14">
+      <mc:AlternateContent xmlns:mc="http://schemas.openxmlformats.org/markup-compatibility/2006" xmlns:a14="http://schemas.microsoft.com/office/drawing/2010/main">
+        <mc:Choice Requires="a14">
           <p:sp>
             <p:nvSpPr>
               <p:cNvPr id="3" name="Segnaposto testo 2"/>
@@ -31564,7 +31992,7 @@
                     <m:sSub>
                       <m:sSubPr>
                         <m:ctrlPr>
-                          <a:rPr lang="it-IT">
+                          <a:rPr lang="it-IT" i="1">
                             <a:latin typeface="Cambria Math" panose="02040503050406030204" pitchFamily="18" charset="0"/>
                           </a:rPr>
                         </m:ctrlPr>
@@ -31592,7 +32020,7 @@
                     <m:d>
                       <m:dPr>
                         <m:ctrlPr>
-                          <a:rPr lang="it-IT">
+                          <a:rPr lang="it-IT" i="1">
                             <a:latin typeface="Cambria Math" panose="02040503050406030204" pitchFamily="18" charset="0"/>
                           </a:rPr>
                         </m:ctrlPr>
@@ -31610,7 +32038,7 @@
                         <m:d>
                           <m:dPr>
                             <m:ctrlPr>
-                              <a:rPr lang="it-IT">
+                              <a:rPr lang="it-IT" i="1">
                                 <a:latin typeface="Cambria Math" panose="02040503050406030204" pitchFamily="18" charset="0"/>
                               </a:rPr>
                             </m:ctrlPr>
@@ -31864,7 +32292,7 @@
                     <m:d>
                       <m:dPr>
                         <m:ctrlPr>
-                          <a:rPr lang="it-IT">
+                          <a:rPr lang="it-IT" i="1">
                             <a:latin typeface="Cambria Math" panose="02040503050406030204" pitchFamily="18" charset="0"/>
                           </a:rPr>
                         </m:ctrlPr>
@@ -31903,7 +32331,7 @@
                         <m:sSub>
                           <m:sSubPr>
                             <m:ctrlPr>
-                              <a:rPr lang="it-IT" dirty="0">
+                              <a:rPr lang="it-IT" i="1" dirty="0">
                                 <a:latin typeface="Cambria Math" panose="02040503050406030204" pitchFamily="18" charset="0"/>
                               </a:rPr>
                             </m:ctrlPr>
@@ -32137,7 +32565,7 @@
                     <m:sSub>
                       <m:sSubPr>
                         <m:ctrlPr>
-                          <a:rPr lang="it-IT">
+                          <a:rPr lang="it-IT" i="1">
                             <a:latin typeface="Cambria Math" panose="02040503050406030204" pitchFamily="18" charset="0"/>
                           </a:rPr>
                         </m:ctrlPr>
@@ -32165,7 +32593,7 @@
                     <m:d>
                       <m:dPr>
                         <m:ctrlPr>
-                          <a:rPr lang="it-IT">
+                          <a:rPr lang="it-IT" i="1">
                             <a:latin typeface="Cambria Math" panose="02040503050406030204" pitchFamily="18" charset="0"/>
                           </a:rPr>
                         </m:ctrlPr>
@@ -32183,7 +32611,7 @@
                         <m:d>
                           <m:dPr>
                             <m:ctrlPr>
-                              <a:rPr lang="it-IT">
+                              <a:rPr lang="it-IT" i="1">
                                 <a:latin typeface="Cambria Math" panose="02040503050406030204" pitchFamily="18" charset="0"/>
                               </a:rPr>
                             </m:ctrlPr>
@@ -32626,7 +33054,6 @@
                   <a:rPr lang="it-IT" dirty="0"/>
                   <a:t>;</a:t>
                 </a:r>
-                <a:endParaRPr lang="it-IT" dirty="0"/>
               </a:p>
               <a:p>
                 <a:pPr marL="146050" indent="0">
@@ -33323,7 +33750,7 @@
             </p:txBody>
           </p:sp>
         </mc:Choice>
-        <mc:Fallback>
+        <mc:Fallback xmlns="">
           <p:sp>
             <p:nvSpPr>
               <p:cNvPr id="3" name="Segnaposto testo 2"/>
@@ -33371,6 +33798,18 @@
   <p:clrMapOvr>
     <a:masterClrMapping/>
   </p:clrMapOvr>
+  <mc:AlternateContent xmlns:mc="http://schemas.openxmlformats.org/markup-compatibility/2006">
+    <mc:Choice xmlns:p14="http://schemas.microsoft.com/office/powerpoint/2010/main" Requires="p14">
+      <p:transition spd="slow" p14:dur="1600">
+        <p14:conveyor dir="l"/>
+      </p:transition>
+    </mc:Choice>
+    <mc:Fallback>
+      <p:transition spd="slow">
+        <p:fade/>
+      </p:transition>
+    </mc:Fallback>
+  </mc:AlternateContent>
   <p:timing>
     <p:tnLst>
       <p:par>
@@ -33441,6 +33880,18 @@
   <p:clrMapOvr>
     <a:masterClrMapping/>
   </p:clrMapOvr>
+  <mc:AlternateContent xmlns:mc="http://schemas.openxmlformats.org/markup-compatibility/2006">
+    <mc:Choice xmlns:p14="http://schemas.microsoft.com/office/powerpoint/2010/main" Requires="p14">
+      <p:transition spd="slow" p14:dur="1600">
+        <p14:conveyor dir="l"/>
+      </p:transition>
+    </mc:Choice>
+    <mc:Fallback>
+      <p:transition spd="slow">
+        <p:fade/>
+      </p:transition>
+    </mc:Fallback>
+  </mc:AlternateContent>
   <p:timing>
     <p:tnLst>
       <p:par>
@@ -33495,8 +33946,8 @@
           </a:p>
         </p:txBody>
       </p:sp>
-      <mc:AlternateContent xmlns:mc="http://schemas.openxmlformats.org/markup-compatibility/2006">
-        <mc:Choice xmlns:a14="http://schemas.microsoft.com/office/drawing/2010/main" Requires="a14">
+      <mc:AlternateContent xmlns:mc="http://schemas.openxmlformats.org/markup-compatibility/2006" xmlns:a14="http://schemas.microsoft.com/office/drawing/2010/main">
+        <mc:Choice Requires="a14">
           <p:sp>
             <p:nvSpPr>
               <p:cNvPr id="3" name="Segnaposto testo 2"/>
@@ -33509,7 +33960,7 @@
             </p:nvSpPr>
             <p:spPr>
               <a:xfrm>
-                <a:off x="1303800" y="1814952"/>
+                <a:off x="1303800" y="1597875"/>
                 <a:ext cx="7030500" cy="2541600"/>
               </a:xfrm>
             </p:spPr>
@@ -34175,7 +34626,7 @@
             </p:txBody>
           </p:sp>
         </mc:Choice>
-        <mc:Fallback>
+        <mc:Fallback xmlns="">
           <p:sp>
             <p:nvSpPr>
               <p:cNvPr id="3" name="Segnaposto testo 2"/>
@@ -34188,13 +34639,13 @@
             </p:nvSpPr>
             <p:spPr>
               <a:xfrm>
-                <a:off x="1303800" y="1814952"/>
+                <a:off x="1303800" y="1597875"/>
                 <a:ext cx="7030500" cy="2541600"/>
               </a:xfrm>
               <a:blipFill>
                 <a:blip r:embed="rId2"/>
                 <a:stretch>
-                  <a:fillRect r="-434" b="-14868"/>
+                  <a:fillRect r="-434" b="-15108"/>
                 </a:stretch>
               </a:blipFill>
             </p:spPr>
@@ -34223,6 +34674,18 @@
   <p:clrMapOvr>
     <a:masterClrMapping/>
   </p:clrMapOvr>
+  <mc:AlternateContent xmlns:mc="http://schemas.openxmlformats.org/markup-compatibility/2006">
+    <mc:Choice xmlns:p14="http://schemas.microsoft.com/office/powerpoint/2010/main" Requires="p14">
+      <p:transition spd="slow" p14:dur="1600">
+        <p14:conveyor dir="l"/>
+      </p:transition>
+    </mc:Choice>
+    <mc:Fallback>
+      <p:transition spd="slow">
+        <p:fade/>
+      </p:transition>
+    </mc:Fallback>
+  </mc:AlternateContent>
   <p:timing>
     <p:tnLst>
       <p:par>
@@ -34287,7 +34750,12 @@
             <p:ph type="body" idx="1"/>
           </p:nvPr>
         </p:nvSpPr>
-        <p:spPr/>
+        <p:spPr>
+          <a:xfrm>
+            <a:off x="1303800" y="1597875"/>
+            <a:ext cx="7030500" cy="2541600"/>
+          </a:xfrm>
+        </p:spPr>
         <p:txBody>
           <a:bodyPr/>
           <a:lstStyle/>
@@ -34587,11 +35055,11 @@
               <a:t> a </a:t>
             </a:r>
             <a:r>
-              <a:rPr lang="it-IT" dirty="0" err="1"/>
-              <a:t>redundacy</a:t>
-            </a:r>
-            <a:r>
-              <a:rPr lang="it-IT" dirty="0"/>
+              <a:rPr lang="it-IT" dirty="0" err="1" smtClean="0"/>
+              <a:t>redundancy</a:t>
+            </a:r>
+            <a:r>
+              <a:rPr lang="it-IT" dirty="0" smtClean="0"/>
               <a:t> </a:t>
             </a:r>
             <a:r>
@@ -34760,6 +35228,18 @@
   <p:clrMapOvr>
     <a:masterClrMapping/>
   </p:clrMapOvr>
+  <mc:AlternateContent xmlns:mc="http://schemas.openxmlformats.org/markup-compatibility/2006">
+    <mc:Choice xmlns:p14="http://schemas.microsoft.com/office/powerpoint/2010/main" Requires="p14">
+      <p:transition spd="slow" p14:dur="1600">
+        <p14:conveyor dir="l"/>
+      </p:transition>
+    </mc:Choice>
+    <mc:Fallback>
+      <p:transition spd="slow">
+        <p:fade/>
+      </p:transition>
+    </mc:Fallback>
+  </mc:AlternateContent>
   <p:timing>
     <p:tnLst>
       <p:par>
@@ -34831,11 +35311,7 @@
             </a:r>
             <a:r>
               <a:rPr lang="it-IT" dirty="0" smtClean="0"/>
-              <a:t> </a:t>
-            </a:r>
-            <a:r>
-              <a:rPr lang="it-IT" dirty="0" smtClean="0"/>
-              <a:t>Agreement </a:t>
+              <a:t> Agreement </a:t>
             </a:r>
             <a:endParaRPr dirty="0"/>
           </a:p>
@@ -36654,6 +37130,18 @@
   <p:clrMapOvr>
     <a:masterClrMapping/>
   </p:clrMapOvr>
+  <mc:AlternateContent xmlns:mc="http://schemas.openxmlformats.org/markup-compatibility/2006">
+    <mc:Choice xmlns:p14="http://schemas.microsoft.com/office/powerpoint/2010/main" Requires="p14">
+      <p:transition spd="slow" p14:dur="1600">
+        <p14:conveyor dir="l"/>
+      </p:transition>
+    </mc:Choice>
+    <mc:Fallback>
+      <p:transition spd="slow">
+        <p:fade/>
+      </p:transition>
+    </mc:Fallback>
+  </mc:AlternateContent>
   <p:timing>
     <p:tnLst>
       <p:par>
@@ -38183,6 +38671,18 @@
   <p:clrMapOvr>
     <a:masterClrMapping/>
   </p:clrMapOvr>
+  <mc:AlternateContent xmlns:mc="http://schemas.openxmlformats.org/markup-compatibility/2006">
+    <mc:Choice xmlns:p14="http://schemas.microsoft.com/office/powerpoint/2010/main" Requires="p14">
+      <p:transition spd="slow" p14:dur="1600">
+        <p14:conveyor dir="l"/>
+      </p:transition>
+    </mc:Choice>
+    <mc:Fallback>
+      <p:transition spd="slow">
+        <p:fade/>
+      </p:transition>
+    </mc:Fallback>
+  </mc:AlternateContent>
   <p:timing>
     <p:tnLst>
       <p:par>
@@ -38709,6 +39209,18 @@
   <p:clrMapOvr>
     <a:masterClrMapping/>
   </p:clrMapOvr>
+  <mc:AlternateContent xmlns:mc="http://schemas.openxmlformats.org/markup-compatibility/2006">
+    <mc:Choice xmlns:p14="http://schemas.microsoft.com/office/powerpoint/2010/main" Requires="p14">
+      <p:transition spd="slow" p14:dur="1600">
+        <p14:conveyor dir="l"/>
+      </p:transition>
+    </mc:Choice>
+    <mc:Fallback>
+      <p:transition spd="slow">
+        <p:fade/>
+      </p:transition>
+    </mc:Fallback>
+  </mc:AlternateContent>
   <p:timing>
     <p:tnLst>
       <p:par>
@@ -38778,8 +39290,8 @@
           </a:p>
         </p:txBody>
       </p:sp>
-      <mc:AlternateContent xmlns:mc="http://schemas.openxmlformats.org/markup-compatibility/2006" xmlns:a14="http://schemas.microsoft.com/office/drawing/2010/main">
-        <mc:Choice Requires="a14">
+      <mc:AlternateContent xmlns:mc="http://schemas.openxmlformats.org/markup-compatibility/2006">
+        <mc:Choice xmlns:a14="http://schemas.microsoft.com/office/drawing/2010/main" Requires="a14">
           <p:sp>
             <p:nvSpPr>
               <p:cNvPr id="2" name="Segnaposto testo 1"/>
@@ -39268,7 +39780,7 @@
                 </a:pPr>
                 <a:r>
                   <a:rPr lang="it-IT" dirty="0" err="1" smtClean="0"/>
-                  <a:t>Selects</a:t>
+                  <a:t>Reduces</a:t>
                 </a:r>
                 <a:r>
                   <a:rPr lang="it-IT" dirty="0" smtClean="0"/>
@@ -39547,7 +40059,7 @@
             </p:txBody>
           </p:sp>
         </mc:Choice>
-        <mc:Fallback xmlns="">
+        <mc:Fallback>
           <p:sp>
             <p:nvSpPr>
               <p:cNvPr id="2" name="Segnaposto testo 1"/>
@@ -40258,6 +40770,18 @@
   <p:clrMapOvr>
     <a:masterClrMapping/>
   </p:clrMapOvr>
+  <mc:AlternateContent xmlns:mc="http://schemas.openxmlformats.org/markup-compatibility/2006">
+    <mc:Choice xmlns:p14="http://schemas.microsoft.com/office/powerpoint/2010/main" Requires="p14">
+      <p:transition spd="slow" p14:dur="1600">
+        <p14:conveyor dir="l"/>
+      </p:transition>
+    </mc:Choice>
+    <mc:Fallback>
+      <p:transition spd="slow">
+        <p:fade/>
+      </p:transition>
+    </mc:Fallback>
+  </mc:AlternateContent>
   <p:timing>
     <p:tnLst>
       <p:par>
@@ -41231,8 +41755,8 @@
           </p:sp>
         </mc:Fallback>
       </mc:AlternateContent>
-      <mc:AlternateContent xmlns:mc="http://schemas.openxmlformats.org/markup-compatibility/2006" xmlns:a14="http://schemas.microsoft.com/office/drawing/2010/main">
-        <mc:Choice Requires="a14">
+      <mc:AlternateContent xmlns:mc="http://schemas.openxmlformats.org/markup-compatibility/2006">
+        <mc:Choice xmlns:a14="http://schemas.microsoft.com/office/drawing/2010/main" Requires="a14">
           <p:sp>
             <p:nvSpPr>
               <p:cNvPr id="3" name="Segnaposto testo 2"/>
@@ -41775,10 +42299,10 @@
                       </m:sup>
                     </m:sSubSup>
                     <m:r>
-                      <a:rPr lang="it-IT" b="1" i="1">
+                      <a:rPr lang="it-IT" b="1" i="1" smtClean="0">
                         <a:latin typeface="Cambria Math" panose="02040503050406030204" pitchFamily="18" charset="0"/>
                       </a:rPr>
-                      <m:t>≡</m:t>
+                      <m:t>=</m:t>
                     </m:r>
                     <m:sSubSup>
                       <m:sSubSupPr>
@@ -41802,6 +42326,12 @@
                             <a:latin typeface="Cambria Math" panose="02040503050406030204" pitchFamily="18" charset="0"/>
                           </a:rPr>
                           <m:t>𝑻</m:t>
+                        </m:r>
+                        <m:r>
+                          <a:rPr lang="it-IT" b="1" i="1" smtClean="0">
+                            <a:latin typeface="Cambria Math" panose="02040503050406030204" pitchFamily="18" charset="0"/>
+                          </a:rPr>
+                          <m:t> </m:t>
                         </m:r>
                       </m:sub>
                       <m:sup>
@@ -41900,7 +42430,7 @@
             </p:txBody>
           </p:sp>
         </mc:Choice>
-        <mc:Fallback xmlns="">
+        <mc:Fallback>
           <p:sp>
             <p:nvSpPr>
               <p:cNvPr id="3" name="Segnaposto testo 2"/>
@@ -41948,6 +42478,18 @@
   <p:clrMapOvr>
     <a:masterClrMapping/>
   </p:clrMapOvr>
+  <mc:AlternateContent xmlns:mc="http://schemas.openxmlformats.org/markup-compatibility/2006">
+    <mc:Choice xmlns:p14="http://schemas.microsoft.com/office/powerpoint/2010/main" Requires="p14">
+      <p:transition spd="slow" p14:dur="1600">
+        <p14:conveyor dir="l"/>
+      </p:transition>
+    </mc:Choice>
+    <mc:Fallback>
+      <p:transition spd="slow">
+        <p:fade/>
+      </p:transition>
+    </mc:Fallback>
+  </mc:AlternateContent>
   <p:timing>
     <p:tnLst>
       <p:par>
@@ -43846,6 +44388,18 @@
   <p:clrMapOvr>
     <a:masterClrMapping/>
   </p:clrMapOvr>
+  <mc:AlternateContent xmlns:mc="http://schemas.openxmlformats.org/markup-compatibility/2006">
+    <mc:Choice xmlns:p14="http://schemas.microsoft.com/office/powerpoint/2010/main" Requires="p14">
+      <p:transition spd="slow" p14:dur="1600">
+        <p14:conveyor dir="l"/>
+      </p:transition>
+    </mc:Choice>
+    <mc:Fallback>
+      <p:transition spd="slow">
+        <p:fade/>
+      </p:transition>
+    </mc:Fallback>
+  </mc:AlternateContent>
   <p:timing>
     <p:tnLst>
       <p:par>
